--- a/Figures/Time lapse photography/Fagaalu sediment plume 2_21_14.pptx
+++ b/Figures/Time lapse photography/Fagaalu sediment plume 2_21_14.pptx
@@ -8,6 +8,7 @@
     <p:sldId id="256" r:id="rId2"/>
     <p:sldId id="257" r:id="rId3"/>
     <p:sldId id="258" r:id="rId4"/>
+    <p:sldId id="259" r:id="rId5"/>
   </p:sldIdLst>
   <p:sldSz cx="12192000" cy="6858000"/>
   <p:notesSz cx="6858000" cy="9144000"/>
@@ -245,7 +246,7 @@
           <a:p>
             <a:fld id="{C1DB1086-976E-41EF-96D7-FD7D25E207D4}" type="datetimeFigureOut">
               <a:rPr lang="en-US" smtClean="0"/>
-              <a:t>4/9/2016</a:t>
+              <a:t>5/26/2016</a:t>
             </a:fld>
             <a:endParaRPr lang="en-US"/>
           </a:p>
@@ -415,7 +416,7 @@
           <a:p>
             <a:fld id="{C1DB1086-976E-41EF-96D7-FD7D25E207D4}" type="datetimeFigureOut">
               <a:rPr lang="en-US" smtClean="0"/>
-              <a:t>4/9/2016</a:t>
+              <a:t>5/26/2016</a:t>
             </a:fld>
             <a:endParaRPr lang="en-US"/>
           </a:p>
@@ -595,7 +596,7 @@
           <a:p>
             <a:fld id="{C1DB1086-976E-41EF-96D7-FD7D25E207D4}" type="datetimeFigureOut">
               <a:rPr lang="en-US" smtClean="0"/>
-              <a:t>4/9/2016</a:t>
+              <a:t>5/26/2016</a:t>
             </a:fld>
             <a:endParaRPr lang="en-US"/>
           </a:p>
@@ -765,7 +766,7 @@
           <a:p>
             <a:fld id="{C1DB1086-976E-41EF-96D7-FD7D25E207D4}" type="datetimeFigureOut">
               <a:rPr lang="en-US" smtClean="0"/>
-              <a:t>4/9/2016</a:t>
+              <a:t>5/26/2016</a:t>
             </a:fld>
             <a:endParaRPr lang="en-US"/>
           </a:p>
@@ -1011,7 +1012,7 @@
           <a:p>
             <a:fld id="{C1DB1086-976E-41EF-96D7-FD7D25E207D4}" type="datetimeFigureOut">
               <a:rPr lang="en-US" smtClean="0"/>
-              <a:t>4/9/2016</a:t>
+              <a:t>5/26/2016</a:t>
             </a:fld>
             <a:endParaRPr lang="en-US"/>
           </a:p>
@@ -1243,7 +1244,7 @@
           <a:p>
             <a:fld id="{C1DB1086-976E-41EF-96D7-FD7D25E207D4}" type="datetimeFigureOut">
               <a:rPr lang="en-US" smtClean="0"/>
-              <a:t>4/9/2016</a:t>
+              <a:t>5/26/2016</a:t>
             </a:fld>
             <a:endParaRPr lang="en-US"/>
           </a:p>
@@ -1610,7 +1611,7 @@
           <a:p>
             <a:fld id="{C1DB1086-976E-41EF-96D7-FD7D25E207D4}" type="datetimeFigureOut">
               <a:rPr lang="en-US" smtClean="0"/>
-              <a:t>4/9/2016</a:t>
+              <a:t>5/26/2016</a:t>
             </a:fld>
             <a:endParaRPr lang="en-US"/>
           </a:p>
@@ -1728,7 +1729,7 @@
           <a:p>
             <a:fld id="{C1DB1086-976E-41EF-96D7-FD7D25E207D4}" type="datetimeFigureOut">
               <a:rPr lang="en-US" smtClean="0"/>
-              <a:t>4/9/2016</a:t>
+              <a:t>5/26/2016</a:t>
             </a:fld>
             <a:endParaRPr lang="en-US"/>
           </a:p>
@@ -1823,7 +1824,7 @@
           <a:p>
             <a:fld id="{C1DB1086-976E-41EF-96D7-FD7D25E207D4}" type="datetimeFigureOut">
               <a:rPr lang="en-US" smtClean="0"/>
-              <a:t>4/9/2016</a:t>
+              <a:t>5/26/2016</a:t>
             </a:fld>
             <a:endParaRPr lang="en-US"/>
           </a:p>
@@ -2100,7 +2101,7 @@
           <a:p>
             <a:fld id="{C1DB1086-976E-41EF-96D7-FD7D25E207D4}" type="datetimeFigureOut">
               <a:rPr lang="en-US" smtClean="0"/>
-              <a:t>4/9/2016</a:t>
+              <a:t>5/26/2016</a:t>
             </a:fld>
             <a:endParaRPr lang="en-US"/>
           </a:p>
@@ -2353,7 +2354,7 @@
           <a:p>
             <a:fld id="{C1DB1086-976E-41EF-96D7-FD7D25E207D4}" type="datetimeFigureOut">
               <a:rPr lang="en-US" smtClean="0"/>
-              <a:t>4/9/2016</a:t>
+              <a:t>5/26/2016</a:t>
             </a:fld>
             <a:endParaRPr lang="en-US"/>
           </a:p>
@@ -2569,7 +2570,7 @@
           <a:p>
             <a:fld id="{C1DB1086-976E-41EF-96D7-FD7D25E207D4}" type="datetimeFigureOut">
               <a:rPr lang="en-US" smtClean="0"/>
-              <a:t>4/9/2016</a:t>
+              <a:t>5/26/2016</a:t>
             </a:fld>
             <a:endParaRPr lang="en-US"/>
           </a:p>
@@ -4566,17 +4567,7 @@
                 <a:latin typeface="Times New Roman" panose="02020603050405020304" pitchFamily="18" charset="0"/>
                 <a:cs typeface="Times New Roman" panose="02020603050405020304" pitchFamily="18" charset="0"/>
               </a:rPr>
-              <a:t> </a:t>
-            </a:r>
-            <a:r>
-              <a:rPr lang="en-US" sz="2400" b="1" dirty="0" smtClean="0">
-                <a:solidFill>
-                  <a:schemeClr val="bg1"/>
-                </a:solidFill>
-                <a:latin typeface="Times New Roman" panose="02020603050405020304" pitchFamily="18" charset="0"/>
-                <a:cs typeface="Times New Roman" panose="02020603050405020304" pitchFamily="18" charset="0"/>
-              </a:rPr>
-              <a:t>Bay: Sediment plume following large rain 2/21/14</a:t>
+              <a:t> Bay: Sediment plume following large rain 2/21/14</a:t>
             </a:r>
             <a:endParaRPr lang="en-US" sz="2400" b="1" dirty="0">
               <a:solidFill>
@@ -4597,7 +4588,7 @@
         <p:spPr>
           <a:xfrm>
             <a:off x="147918" y="793376"/>
-            <a:ext cx="377026" cy="369332"/>
+            <a:ext cx="365806" cy="369332"/>
           </a:xfrm>
           <a:prstGeom prst="rect">
             <a:avLst/>
@@ -4611,12 +4602,20 @@
           <a:lstStyle/>
           <a:p>
             <a:r>
+              <a:rPr lang="en-US" dirty="0">
+                <a:solidFill>
+                  <a:schemeClr val="bg1"/>
+                </a:solidFill>
+              </a:rPr>
+              <a:t>a</a:t>
+            </a:r>
+            <a:r>
               <a:rPr lang="en-US" dirty="0" smtClean="0">
                 <a:solidFill>
                   <a:schemeClr val="bg1"/>
                 </a:solidFill>
               </a:rPr>
-              <a:t>b)</a:t>
+              <a:t>)</a:t>
             </a:r>
             <a:endParaRPr lang="en-US" dirty="0">
               <a:solidFill>
@@ -4635,7 +4634,7 @@
         <p:spPr>
           <a:xfrm>
             <a:off x="3977282" y="793376"/>
-            <a:ext cx="352982" cy="369332"/>
+            <a:ext cx="377026" cy="369332"/>
           </a:xfrm>
           <a:prstGeom prst="rect">
             <a:avLst/>
@@ -4649,12 +4648,20 @@
           <a:lstStyle/>
           <a:p>
             <a:r>
+              <a:rPr lang="en-US" dirty="0">
+                <a:solidFill>
+                  <a:schemeClr val="bg1"/>
+                </a:solidFill>
+              </a:rPr>
+              <a:t>b</a:t>
+            </a:r>
+            <a:r>
               <a:rPr lang="en-US" dirty="0" smtClean="0">
                 <a:solidFill>
                   <a:schemeClr val="bg1"/>
                 </a:solidFill>
               </a:rPr>
-              <a:t>c)</a:t>
+              <a:t>)</a:t>
             </a:r>
             <a:endParaRPr lang="en-US" dirty="0">
               <a:solidFill>
@@ -4673,7 +4680,7 @@
         <p:spPr>
           <a:xfrm>
             <a:off x="8309443" y="793376"/>
-            <a:ext cx="377026" cy="369332"/>
+            <a:ext cx="352982" cy="369332"/>
           </a:xfrm>
           <a:prstGeom prst="rect">
             <a:avLst/>
@@ -4687,12 +4694,20 @@
           <a:lstStyle/>
           <a:p>
             <a:r>
+              <a:rPr lang="en-US" dirty="0">
+                <a:solidFill>
+                  <a:schemeClr val="bg1"/>
+                </a:solidFill>
+              </a:rPr>
+              <a:t>c</a:t>
+            </a:r>
+            <a:r>
               <a:rPr lang="en-US" dirty="0" smtClean="0">
                 <a:solidFill>
                   <a:schemeClr val="bg1"/>
                 </a:solidFill>
               </a:rPr>
-              <a:t>d)</a:t>
+              <a:t>)</a:t>
             </a:r>
             <a:endParaRPr lang="en-US" dirty="0">
               <a:solidFill>
@@ -4711,7 +4726,7 @@
         <p:spPr>
           <a:xfrm>
             <a:off x="147918" y="3988619"/>
-            <a:ext cx="370614" cy="369332"/>
+            <a:ext cx="377026" cy="369332"/>
           </a:xfrm>
           <a:prstGeom prst="rect">
             <a:avLst/>
@@ -4725,12 +4740,20 @@
           <a:lstStyle/>
           <a:p>
             <a:r>
+              <a:rPr lang="en-US" dirty="0">
+                <a:solidFill>
+                  <a:schemeClr val="bg1"/>
+                </a:solidFill>
+              </a:rPr>
+              <a:t>d</a:t>
+            </a:r>
+            <a:r>
               <a:rPr lang="en-US" dirty="0" smtClean="0">
                 <a:solidFill>
                   <a:schemeClr val="bg1"/>
                 </a:solidFill>
               </a:rPr>
-              <a:t>e)</a:t>
+              <a:t>)</a:t>
             </a:r>
             <a:endParaRPr lang="en-US" dirty="0">
               <a:solidFill>
@@ -4749,7 +4772,7 @@
         <p:spPr>
           <a:xfrm>
             <a:off x="3978151" y="3988619"/>
-            <a:ext cx="329129" cy="369332"/>
+            <a:ext cx="370614" cy="369332"/>
           </a:xfrm>
           <a:prstGeom prst="rect">
             <a:avLst/>
@@ -4763,12 +4786,20 @@
           <a:lstStyle/>
           <a:p>
             <a:r>
+              <a:rPr lang="en-US" dirty="0">
+                <a:solidFill>
+                  <a:schemeClr val="bg1"/>
+                </a:solidFill>
+              </a:rPr>
+              <a:t>e</a:t>
+            </a:r>
+            <a:r>
               <a:rPr lang="en-US" dirty="0" smtClean="0">
                 <a:solidFill>
                   <a:schemeClr val="bg1"/>
                 </a:solidFill>
               </a:rPr>
-              <a:t>f)</a:t>
+              <a:t>)</a:t>
             </a:r>
             <a:endParaRPr lang="en-US" dirty="0">
               <a:solidFill>
@@ -4787,7 +4818,7 @@
         <p:spPr>
           <a:xfrm>
             <a:off x="8309443" y="3988619"/>
-            <a:ext cx="364202" cy="369332"/>
+            <a:ext cx="329129" cy="369332"/>
           </a:xfrm>
           <a:prstGeom prst="rect">
             <a:avLst/>
@@ -4801,12 +4832,20 @@
           <a:lstStyle/>
           <a:p>
             <a:r>
+              <a:rPr lang="en-US" dirty="0">
+                <a:solidFill>
+                  <a:schemeClr val="bg1"/>
+                </a:solidFill>
+              </a:rPr>
+              <a:t>f</a:t>
+            </a:r>
+            <a:r>
               <a:rPr lang="en-US" dirty="0" smtClean="0">
                 <a:solidFill>
                   <a:schemeClr val="bg1"/>
                 </a:solidFill>
               </a:rPr>
-              <a:t>g)</a:t>
+              <a:t>)</a:t>
             </a:r>
             <a:endParaRPr lang="en-US" dirty="0">
               <a:solidFill>
@@ -5483,6 +5522,1166 @@
     <p:extLst>
       <p:ext uri="{BB962C8B-B14F-4D97-AF65-F5344CB8AC3E}">
         <p14:creationId xmlns:p14="http://schemas.microsoft.com/office/powerpoint/2010/main" val="16058480"/>
+      </p:ext>
+    </p:extLst>
+  </p:cSld>
+  <p:clrMapOvr>
+    <a:masterClrMapping/>
+  </p:clrMapOvr>
+  <p:timing>
+    <p:tnLst>
+      <p:par>
+        <p:cTn id="1" dur="indefinite" restart="never" nodeType="tmRoot"/>
+      </p:par>
+    </p:tnLst>
+  </p:timing>
+</p:sld>
+</file>
+
+<file path=ppt/slides/slide4.xml><?xml version="1.0" encoding="utf-8"?>
+<p:sld xmlns:a="http://schemas.openxmlformats.org/drawingml/2006/main" xmlns:r="http://schemas.openxmlformats.org/officeDocument/2006/relationships" xmlns:p="http://schemas.openxmlformats.org/presentationml/2006/main">
+  <p:cSld>
+    <p:spTree>
+      <p:nvGrpSpPr>
+        <p:cNvPr id="1" name=""/>
+        <p:cNvGrpSpPr/>
+        <p:nvPr/>
+      </p:nvGrpSpPr>
+      <p:grpSpPr>
+        <a:xfrm>
+          <a:off x="0" y="0"/>
+          <a:ext cx="0" cy="0"/>
+          <a:chOff x="0" y="0"/>
+          <a:chExt cx="0" cy="0"/>
+        </a:xfrm>
+      </p:grpSpPr>
+      <p:pic>
+        <p:nvPicPr>
+          <p:cNvPr id="4" name="Picture 3"/>
+          <p:cNvPicPr>
+            <a:picLocks noChangeAspect="1"/>
+          </p:cNvPicPr>
+          <p:nvPr/>
+        </p:nvPicPr>
+        <p:blipFill>
+          <a:blip r:embed="rId2" cstate="print">
+            <a:extLst>
+              <a:ext uri="{28A0092B-C50C-407E-A947-70E740481C1C}">
+                <a14:useLocalDpi xmlns:a14="http://schemas.microsoft.com/office/drawing/2010/main" val="0"/>
+              </a:ext>
+            </a:extLst>
+          </a:blip>
+          <a:stretch>
+            <a:fillRect/>
+          </a:stretch>
+        </p:blipFill>
+        <p:spPr>
+          <a:xfrm>
+            <a:off x="0" y="579093"/>
+            <a:ext cx="4181318" cy="3135989"/>
+          </a:xfrm>
+          <a:prstGeom prst="rect">
+            <a:avLst/>
+          </a:prstGeom>
+        </p:spPr>
+      </p:pic>
+      <p:pic>
+        <p:nvPicPr>
+          <p:cNvPr id="5" name="Picture 4"/>
+          <p:cNvPicPr>
+            <a:picLocks noChangeAspect="1"/>
+          </p:cNvPicPr>
+          <p:nvPr/>
+        </p:nvPicPr>
+        <p:blipFill>
+          <a:blip r:embed="rId3" cstate="print">
+            <a:extLst>
+              <a:ext uri="{28A0092B-C50C-407E-A947-70E740481C1C}">
+                <a14:useLocalDpi xmlns:a14="http://schemas.microsoft.com/office/drawing/2010/main" val="0"/>
+              </a:ext>
+            </a:extLst>
+          </a:blip>
+          <a:stretch>
+            <a:fillRect/>
+          </a:stretch>
+        </p:blipFill>
+        <p:spPr>
+          <a:xfrm>
+            <a:off x="3829364" y="583711"/>
+            <a:ext cx="4181318" cy="3135989"/>
+          </a:xfrm>
+          <a:prstGeom prst="rect">
+            <a:avLst/>
+          </a:prstGeom>
+        </p:spPr>
+      </p:pic>
+      <p:pic>
+        <p:nvPicPr>
+          <p:cNvPr id="6" name="Picture 5"/>
+          <p:cNvPicPr>
+            <a:picLocks noChangeAspect="1"/>
+          </p:cNvPicPr>
+          <p:nvPr/>
+        </p:nvPicPr>
+        <p:blipFill>
+          <a:blip r:embed="rId4" cstate="print">
+            <a:extLst>
+              <a:ext uri="{28A0092B-C50C-407E-A947-70E740481C1C}">
+                <a14:useLocalDpi xmlns:a14="http://schemas.microsoft.com/office/drawing/2010/main" val="0"/>
+              </a:ext>
+            </a:extLst>
+          </a:blip>
+          <a:stretch>
+            <a:fillRect/>
+          </a:stretch>
+        </p:blipFill>
+        <p:spPr>
+          <a:xfrm>
+            <a:off x="8010682" y="583711"/>
+            <a:ext cx="4181318" cy="3135989"/>
+          </a:xfrm>
+          <a:prstGeom prst="rect">
+            <a:avLst/>
+          </a:prstGeom>
+        </p:spPr>
+      </p:pic>
+      <p:pic>
+        <p:nvPicPr>
+          <p:cNvPr id="7" name="Picture 6"/>
+          <p:cNvPicPr>
+            <a:picLocks noChangeAspect="1"/>
+          </p:cNvPicPr>
+          <p:nvPr/>
+        </p:nvPicPr>
+        <p:blipFill>
+          <a:blip r:embed="rId5" cstate="print">
+            <a:extLst>
+              <a:ext uri="{28A0092B-C50C-407E-A947-70E740481C1C}">
+                <a14:useLocalDpi xmlns:a14="http://schemas.microsoft.com/office/drawing/2010/main" val="0"/>
+              </a:ext>
+            </a:extLst>
+          </a:blip>
+          <a:stretch>
+            <a:fillRect/>
+          </a:stretch>
+        </p:blipFill>
+        <p:spPr>
+          <a:xfrm>
+            <a:off x="0" y="3722010"/>
+            <a:ext cx="4181318" cy="3135989"/>
+          </a:xfrm>
+          <a:prstGeom prst="rect">
+            <a:avLst/>
+          </a:prstGeom>
+        </p:spPr>
+      </p:pic>
+      <p:pic>
+        <p:nvPicPr>
+          <p:cNvPr id="8" name="Picture 7"/>
+          <p:cNvPicPr>
+            <a:picLocks noChangeAspect="1"/>
+          </p:cNvPicPr>
+          <p:nvPr/>
+        </p:nvPicPr>
+        <p:blipFill>
+          <a:blip r:embed="rId6" cstate="print">
+            <a:extLst>
+              <a:ext uri="{28A0092B-C50C-407E-A947-70E740481C1C}">
+                <a14:useLocalDpi xmlns:a14="http://schemas.microsoft.com/office/drawing/2010/main" val="0"/>
+              </a:ext>
+            </a:extLst>
+          </a:blip>
+          <a:stretch>
+            <a:fillRect/>
+          </a:stretch>
+        </p:blipFill>
+        <p:spPr>
+          <a:xfrm>
+            <a:off x="3872671" y="3722011"/>
+            <a:ext cx="4181318" cy="3135989"/>
+          </a:xfrm>
+          <a:prstGeom prst="rect">
+            <a:avLst/>
+          </a:prstGeom>
+        </p:spPr>
+      </p:pic>
+      <p:pic>
+        <p:nvPicPr>
+          <p:cNvPr id="9" name="Picture 8"/>
+          <p:cNvPicPr>
+            <a:picLocks noChangeAspect="1"/>
+          </p:cNvPicPr>
+          <p:nvPr/>
+        </p:nvPicPr>
+        <p:blipFill>
+          <a:blip r:embed="rId7" cstate="print">
+            <a:extLst>
+              <a:ext uri="{28A0092B-C50C-407E-A947-70E740481C1C}">
+                <a14:useLocalDpi xmlns:a14="http://schemas.microsoft.com/office/drawing/2010/main" val="0"/>
+              </a:ext>
+            </a:extLst>
+          </a:blip>
+          <a:stretch>
+            <a:fillRect/>
+          </a:stretch>
+        </p:blipFill>
+        <p:spPr>
+          <a:xfrm>
+            <a:off x="8010682" y="3722011"/>
+            <a:ext cx="4181318" cy="3135989"/>
+          </a:xfrm>
+          <a:prstGeom prst="rect">
+            <a:avLst/>
+          </a:prstGeom>
+        </p:spPr>
+      </p:pic>
+      <p:sp>
+        <p:nvSpPr>
+          <p:cNvPr id="12" name="TextBox 11"/>
+          <p:cNvSpPr txBox="1"/>
+          <p:nvPr/>
+        </p:nvSpPr>
+        <p:spPr>
+          <a:xfrm>
+            <a:off x="2090659" y="120890"/>
+            <a:ext cx="7917552" cy="461665"/>
+          </a:xfrm>
+          <a:prstGeom prst="rect">
+            <a:avLst/>
+          </a:prstGeom>
+          <a:noFill/>
+        </p:spPr>
+        <p:txBody>
+          <a:bodyPr wrap="none" rtlCol="0">
+            <a:spAutoFit/>
+          </a:bodyPr>
+          <a:lstStyle/>
+          <a:p>
+            <a:r>
+              <a:rPr lang="en-US" sz="2400" b="1" dirty="0" err="1" smtClean="0">
+                <a:solidFill>
+                  <a:schemeClr val="bg1"/>
+                </a:solidFill>
+                <a:latin typeface="Times New Roman" panose="02020603050405020304" pitchFamily="18" charset="0"/>
+                <a:cs typeface="Times New Roman" panose="02020603050405020304" pitchFamily="18" charset="0"/>
+              </a:rPr>
+              <a:t>Fagáalu</a:t>
+            </a:r>
+            <a:r>
+              <a:rPr lang="en-US" sz="2400" b="1" dirty="0" smtClean="0">
+                <a:solidFill>
+                  <a:schemeClr val="bg1"/>
+                </a:solidFill>
+                <a:latin typeface="Times New Roman" panose="02020603050405020304" pitchFamily="18" charset="0"/>
+                <a:cs typeface="Times New Roman" panose="02020603050405020304" pitchFamily="18" charset="0"/>
+              </a:rPr>
+              <a:t> Bay: Sediment plume following large rain 2/21/14</a:t>
+            </a:r>
+            <a:endParaRPr lang="en-US" sz="2400" b="1" dirty="0">
+              <a:solidFill>
+                <a:schemeClr val="bg1"/>
+              </a:solidFill>
+              <a:latin typeface="Times New Roman" panose="02020603050405020304" pitchFamily="18" charset="0"/>
+              <a:cs typeface="Times New Roman" panose="02020603050405020304" pitchFamily="18" charset="0"/>
+            </a:endParaRPr>
+          </a:p>
+        </p:txBody>
+      </p:sp>
+      <p:sp>
+        <p:nvSpPr>
+          <p:cNvPr id="13" name="TextBox 12"/>
+          <p:cNvSpPr txBox="1"/>
+          <p:nvPr/>
+        </p:nvSpPr>
+        <p:spPr>
+          <a:xfrm>
+            <a:off x="147918" y="793376"/>
+            <a:ext cx="377026" cy="369332"/>
+          </a:xfrm>
+          <a:prstGeom prst="rect">
+            <a:avLst/>
+          </a:prstGeom>
+          <a:noFill/>
+        </p:spPr>
+        <p:txBody>
+          <a:bodyPr wrap="none" rtlCol="0">
+            <a:spAutoFit/>
+          </a:bodyPr>
+          <a:lstStyle/>
+          <a:p>
+            <a:r>
+              <a:rPr lang="en-US" dirty="0" smtClean="0">
+                <a:solidFill>
+                  <a:schemeClr val="bg1"/>
+                </a:solidFill>
+              </a:rPr>
+              <a:t>b)</a:t>
+            </a:r>
+            <a:endParaRPr lang="en-US" dirty="0">
+              <a:solidFill>
+                <a:schemeClr val="bg1"/>
+              </a:solidFill>
+            </a:endParaRPr>
+          </a:p>
+        </p:txBody>
+      </p:sp>
+      <p:sp>
+        <p:nvSpPr>
+          <p:cNvPr id="15" name="TextBox 14"/>
+          <p:cNvSpPr txBox="1"/>
+          <p:nvPr/>
+        </p:nvSpPr>
+        <p:spPr>
+          <a:xfrm>
+            <a:off x="3977282" y="793376"/>
+            <a:ext cx="352982" cy="369332"/>
+          </a:xfrm>
+          <a:prstGeom prst="rect">
+            <a:avLst/>
+          </a:prstGeom>
+          <a:noFill/>
+        </p:spPr>
+        <p:txBody>
+          <a:bodyPr wrap="none" rtlCol="0">
+            <a:spAutoFit/>
+          </a:bodyPr>
+          <a:lstStyle/>
+          <a:p>
+            <a:r>
+              <a:rPr lang="en-US" dirty="0" smtClean="0">
+                <a:solidFill>
+                  <a:schemeClr val="bg1"/>
+                </a:solidFill>
+              </a:rPr>
+              <a:t>c)</a:t>
+            </a:r>
+            <a:endParaRPr lang="en-US" dirty="0">
+              <a:solidFill>
+                <a:schemeClr val="bg1"/>
+              </a:solidFill>
+            </a:endParaRPr>
+          </a:p>
+        </p:txBody>
+      </p:sp>
+      <p:sp>
+        <p:nvSpPr>
+          <p:cNvPr id="16" name="TextBox 15"/>
+          <p:cNvSpPr txBox="1"/>
+          <p:nvPr/>
+        </p:nvSpPr>
+        <p:spPr>
+          <a:xfrm>
+            <a:off x="8309443" y="793376"/>
+            <a:ext cx="377026" cy="369332"/>
+          </a:xfrm>
+          <a:prstGeom prst="rect">
+            <a:avLst/>
+          </a:prstGeom>
+          <a:noFill/>
+        </p:spPr>
+        <p:txBody>
+          <a:bodyPr wrap="none" rtlCol="0">
+            <a:spAutoFit/>
+          </a:bodyPr>
+          <a:lstStyle/>
+          <a:p>
+            <a:r>
+              <a:rPr lang="en-US" dirty="0" smtClean="0">
+                <a:solidFill>
+                  <a:schemeClr val="bg1"/>
+                </a:solidFill>
+              </a:rPr>
+              <a:t>d)</a:t>
+            </a:r>
+            <a:endParaRPr lang="en-US" dirty="0">
+              <a:solidFill>
+                <a:schemeClr val="bg1"/>
+              </a:solidFill>
+            </a:endParaRPr>
+          </a:p>
+        </p:txBody>
+      </p:sp>
+      <p:sp>
+        <p:nvSpPr>
+          <p:cNvPr id="17" name="TextBox 16"/>
+          <p:cNvSpPr txBox="1"/>
+          <p:nvPr/>
+        </p:nvSpPr>
+        <p:spPr>
+          <a:xfrm>
+            <a:off x="147918" y="3988619"/>
+            <a:ext cx="370614" cy="369332"/>
+          </a:xfrm>
+          <a:prstGeom prst="rect">
+            <a:avLst/>
+          </a:prstGeom>
+          <a:noFill/>
+        </p:spPr>
+        <p:txBody>
+          <a:bodyPr wrap="none" rtlCol="0">
+            <a:spAutoFit/>
+          </a:bodyPr>
+          <a:lstStyle/>
+          <a:p>
+            <a:r>
+              <a:rPr lang="en-US" dirty="0" smtClean="0">
+                <a:solidFill>
+                  <a:schemeClr val="bg1"/>
+                </a:solidFill>
+              </a:rPr>
+              <a:t>e)</a:t>
+            </a:r>
+            <a:endParaRPr lang="en-US" dirty="0">
+              <a:solidFill>
+                <a:schemeClr val="bg1"/>
+              </a:solidFill>
+            </a:endParaRPr>
+          </a:p>
+        </p:txBody>
+      </p:sp>
+      <p:sp>
+        <p:nvSpPr>
+          <p:cNvPr id="18" name="TextBox 17"/>
+          <p:cNvSpPr txBox="1"/>
+          <p:nvPr/>
+        </p:nvSpPr>
+        <p:spPr>
+          <a:xfrm>
+            <a:off x="3978151" y="3988619"/>
+            <a:ext cx="329129" cy="369332"/>
+          </a:xfrm>
+          <a:prstGeom prst="rect">
+            <a:avLst/>
+          </a:prstGeom>
+          <a:noFill/>
+        </p:spPr>
+        <p:txBody>
+          <a:bodyPr wrap="none" rtlCol="0">
+            <a:spAutoFit/>
+          </a:bodyPr>
+          <a:lstStyle/>
+          <a:p>
+            <a:r>
+              <a:rPr lang="en-US" dirty="0" smtClean="0">
+                <a:solidFill>
+                  <a:schemeClr val="bg1"/>
+                </a:solidFill>
+              </a:rPr>
+              <a:t>f)</a:t>
+            </a:r>
+            <a:endParaRPr lang="en-US" dirty="0">
+              <a:solidFill>
+                <a:schemeClr val="bg1"/>
+              </a:solidFill>
+            </a:endParaRPr>
+          </a:p>
+        </p:txBody>
+      </p:sp>
+      <p:sp>
+        <p:nvSpPr>
+          <p:cNvPr id="19" name="TextBox 18"/>
+          <p:cNvSpPr txBox="1"/>
+          <p:nvPr/>
+        </p:nvSpPr>
+        <p:spPr>
+          <a:xfrm>
+            <a:off x="8309443" y="3988619"/>
+            <a:ext cx="364202" cy="369332"/>
+          </a:xfrm>
+          <a:prstGeom prst="rect">
+            <a:avLst/>
+          </a:prstGeom>
+          <a:noFill/>
+        </p:spPr>
+        <p:txBody>
+          <a:bodyPr wrap="none" rtlCol="0">
+            <a:spAutoFit/>
+          </a:bodyPr>
+          <a:lstStyle/>
+          <a:p>
+            <a:r>
+              <a:rPr lang="en-US" dirty="0" smtClean="0">
+                <a:solidFill>
+                  <a:schemeClr val="bg1"/>
+                </a:solidFill>
+              </a:rPr>
+              <a:t>g)</a:t>
+            </a:r>
+            <a:endParaRPr lang="en-US" dirty="0">
+              <a:solidFill>
+                <a:schemeClr val="bg1"/>
+              </a:solidFill>
+            </a:endParaRPr>
+          </a:p>
+        </p:txBody>
+      </p:sp>
+      <p:sp>
+        <p:nvSpPr>
+          <p:cNvPr id="20" name="TextBox 19"/>
+          <p:cNvSpPr txBox="1"/>
+          <p:nvPr/>
+        </p:nvSpPr>
+        <p:spPr>
+          <a:xfrm>
+            <a:off x="1578706" y="3352677"/>
+            <a:ext cx="715260" cy="369332"/>
+          </a:xfrm>
+          <a:prstGeom prst="rect">
+            <a:avLst/>
+          </a:prstGeom>
+          <a:noFill/>
+        </p:spPr>
+        <p:txBody>
+          <a:bodyPr wrap="none" rtlCol="0">
+            <a:spAutoFit/>
+          </a:bodyPr>
+          <a:lstStyle/>
+          <a:p>
+            <a:r>
+              <a:rPr lang="en-US" dirty="0" smtClean="0">
+                <a:solidFill>
+                  <a:schemeClr val="bg1"/>
+                </a:solidFill>
+              </a:rPr>
+              <a:t>15:45</a:t>
+            </a:r>
+            <a:endParaRPr lang="en-US" dirty="0">
+              <a:solidFill>
+                <a:schemeClr val="bg1"/>
+              </a:solidFill>
+            </a:endParaRPr>
+          </a:p>
+        </p:txBody>
+      </p:sp>
+      <p:sp>
+        <p:nvSpPr>
+          <p:cNvPr id="21" name="TextBox 20"/>
+          <p:cNvSpPr txBox="1"/>
+          <p:nvPr/>
+        </p:nvSpPr>
+        <p:spPr>
+          <a:xfrm>
+            <a:off x="5551222" y="3345750"/>
+            <a:ext cx="715260" cy="369332"/>
+          </a:xfrm>
+          <a:prstGeom prst="rect">
+            <a:avLst/>
+          </a:prstGeom>
+          <a:noFill/>
+        </p:spPr>
+        <p:txBody>
+          <a:bodyPr wrap="none" rtlCol="0">
+            <a:spAutoFit/>
+          </a:bodyPr>
+          <a:lstStyle/>
+          <a:p>
+            <a:r>
+              <a:rPr lang="en-US" dirty="0" smtClean="0">
+                <a:solidFill>
+                  <a:schemeClr val="bg1"/>
+                </a:solidFill>
+                <a:latin typeface="Times New Roman" panose="02020603050405020304" pitchFamily="18" charset="0"/>
+                <a:cs typeface="Times New Roman" panose="02020603050405020304" pitchFamily="18" charset="0"/>
+              </a:rPr>
+              <a:t>16:00</a:t>
+            </a:r>
+            <a:endParaRPr lang="en-US" dirty="0">
+              <a:solidFill>
+                <a:schemeClr val="bg1"/>
+              </a:solidFill>
+              <a:latin typeface="Times New Roman" panose="02020603050405020304" pitchFamily="18" charset="0"/>
+              <a:cs typeface="Times New Roman" panose="02020603050405020304" pitchFamily="18" charset="0"/>
+            </a:endParaRPr>
+          </a:p>
+        </p:txBody>
+      </p:sp>
+      <p:sp>
+        <p:nvSpPr>
+          <p:cNvPr id="22" name="TextBox 21"/>
+          <p:cNvSpPr txBox="1"/>
+          <p:nvPr/>
+        </p:nvSpPr>
+        <p:spPr>
+          <a:xfrm>
+            <a:off x="9939854" y="3345750"/>
+            <a:ext cx="715260" cy="369332"/>
+          </a:xfrm>
+          <a:prstGeom prst="rect">
+            <a:avLst/>
+          </a:prstGeom>
+          <a:noFill/>
+        </p:spPr>
+        <p:txBody>
+          <a:bodyPr wrap="none" rtlCol="0">
+            <a:spAutoFit/>
+          </a:bodyPr>
+          <a:lstStyle/>
+          <a:p>
+            <a:r>
+              <a:rPr lang="en-US" dirty="0" smtClean="0">
+                <a:solidFill>
+                  <a:schemeClr val="bg1"/>
+                </a:solidFill>
+                <a:latin typeface="Times New Roman" panose="02020603050405020304" pitchFamily="18" charset="0"/>
+                <a:cs typeface="Times New Roman" panose="02020603050405020304" pitchFamily="18" charset="0"/>
+              </a:rPr>
+              <a:t>16:15</a:t>
+            </a:r>
+            <a:endParaRPr lang="en-US" dirty="0">
+              <a:solidFill>
+                <a:schemeClr val="bg1"/>
+              </a:solidFill>
+              <a:latin typeface="Times New Roman" panose="02020603050405020304" pitchFamily="18" charset="0"/>
+              <a:cs typeface="Times New Roman" panose="02020603050405020304" pitchFamily="18" charset="0"/>
+            </a:endParaRPr>
+          </a:p>
+        </p:txBody>
+      </p:sp>
+      <p:sp>
+        <p:nvSpPr>
+          <p:cNvPr id="23" name="TextBox 22"/>
+          <p:cNvSpPr txBox="1"/>
+          <p:nvPr/>
+        </p:nvSpPr>
+        <p:spPr>
+          <a:xfrm>
+            <a:off x="1573425" y="6485204"/>
+            <a:ext cx="715260" cy="369332"/>
+          </a:xfrm>
+          <a:prstGeom prst="rect">
+            <a:avLst/>
+          </a:prstGeom>
+          <a:noFill/>
+        </p:spPr>
+        <p:txBody>
+          <a:bodyPr wrap="none" rtlCol="0">
+            <a:spAutoFit/>
+          </a:bodyPr>
+          <a:lstStyle/>
+          <a:p>
+            <a:r>
+              <a:rPr lang="en-US" dirty="0" smtClean="0">
+                <a:solidFill>
+                  <a:schemeClr val="bg1"/>
+                </a:solidFill>
+                <a:latin typeface="Times New Roman" panose="02020603050405020304" pitchFamily="18" charset="0"/>
+                <a:cs typeface="Times New Roman" panose="02020603050405020304" pitchFamily="18" charset="0"/>
+              </a:rPr>
+              <a:t>16:30</a:t>
+            </a:r>
+            <a:endParaRPr lang="en-US" dirty="0">
+              <a:solidFill>
+                <a:schemeClr val="bg1"/>
+              </a:solidFill>
+              <a:latin typeface="Times New Roman" panose="02020603050405020304" pitchFamily="18" charset="0"/>
+              <a:cs typeface="Times New Roman" panose="02020603050405020304" pitchFamily="18" charset="0"/>
+            </a:endParaRPr>
+          </a:p>
+        </p:txBody>
+      </p:sp>
+      <p:sp>
+        <p:nvSpPr>
+          <p:cNvPr id="24" name="TextBox 23"/>
+          <p:cNvSpPr txBox="1"/>
+          <p:nvPr/>
+        </p:nvSpPr>
+        <p:spPr>
+          <a:xfrm>
+            <a:off x="5754542" y="6489435"/>
+            <a:ext cx="715260" cy="369332"/>
+          </a:xfrm>
+          <a:prstGeom prst="rect">
+            <a:avLst/>
+          </a:prstGeom>
+          <a:noFill/>
+        </p:spPr>
+        <p:txBody>
+          <a:bodyPr wrap="none" rtlCol="0">
+            <a:spAutoFit/>
+          </a:bodyPr>
+          <a:lstStyle/>
+          <a:p>
+            <a:r>
+              <a:rPr lang="en-US" dirty="0" smtClean="0">
+                <a:solidFill>
+                  <a:schemeClr val="bg1"/>
+                </a:solidFill>
+                <a:latin typeface="Times New Roman" panose="02020603050405020304" pitchFamily="18" charset="0"/>
+                <a:cs typeface="Times New Roman" panose="02020603050405020304" pitchFamily="18" charset="0"/>
+              </a:rPr>
+              <a:t>16:45</a:t>
+            </a:r>
+            <a:endParaRPr lang="en-US" dirty="0">
+              <a:solidFill>
+                <a:schemeClr val="bg1"/>
+              </a:solidFill>
+              <a:latin typeface="Times New Roman" panose="02020603050405020304" pitchFamily="18" charset="0"/>
+              <a:cs typeface="Times New Roman" panose="02020603050405020304" pitchFamily="18" charset="0"/>
+            </a:endParaRPr>
+          </a:p>
+        </p:txBody>
+      </p:sp>
+      <p:sp>
+        <p:nvSpPr>
+          <p:cNvPr id="25" name="TextBox 24"/>
+          <p:cNvSpPr txBox="1"/>
+          <p:nvPr/>
+        </p:nvSpPr>
+        <p:spPr>
+          <a:xfrm>
+            <a:off x="9935659" y="6509402"/>
+            <a:ext cx="715260" cy="369332"/>
+          </a:xfrm>
+          <a:prstGeom prst="rect">
+            <a:avLst/>
+          </a:prstGeom>
+          <a:noFill/>
+        </p:spPr>
+        <p:txBody>
+          <a:bodyPr wrap="none" rtlCol="0">
+            <a:spAutoFit/>
+          </a:bodyPr>
+          <a:lstStyle/>
+          <a:p>
+            <a:r>
+              <a:rPr lang="en-US" dirty="0" smtClean="0">
+                <a:solidFill>
+                  <a:schemeClr val="bg1"/>
+                </a:solidFill>
+                <a:latin typeface="Times New Roman" panose="02020603050405020304" pitchFamily="18" charset="0"/>
+                <a:cs typeface="Times New Roman" panose="02020603050405020304" pitchFamily="18" charset="0"/>
+              </a:rPr>
+              <a:t>17:00</a:t>
+            </a:r>
+            <a:endParaRPr lang="en-US" dirty="0">
+              <a:solidFill>
+                <a:schemeClr val="bg1"/>
+              </a:solidFill>
+              <a:latin typeface="Times New Roman" panose="02020603050405020304" pitchFamily="18" charset="0"/>
+              <a:cs typeface="Times New Roman" panose="02020603050405020304" pitchFamily="18" charset="0"/>
+            </a:endParaRPr>
+          </a:p>
+        </p:txBody>
+      </p:sp>
+      <p:grpSp>
+        <p:nvGrpSpPr>
+          <p:cNvPr id="14" name="Group 13"/>
+          <p:cNvGrpSpPr/>
+          <p:nvPr/>
+        </p:nvGrpSpPr>
+        <p:grpSpPr>
+          <a:xfrm>
+            <a:off x="1117731" y="1761913"/>
+            <a:ext cx="1547155" cy="1031877"/>
+            <a:chOff x="147918" y="1951066"/>
+            <a:chExt cx="1547155" cy="1031877"/>
+          </a:xfrm>
+        </p:grpSpPr>
+        <p:sp>
+          <p:nvSpPr>
+            <p:cNvPr id="2" name="TextBox 1"/>
+            <p:cNvSpPr txBox="1"/>
+            <p:nvPr/>
+          </p:nvSpPr>
+          <p:spPr>
+            <a:xfrm>
+              <a:off x="147918" y="1951066"/>
+              <a:ext cx="1547155" cy="461665"/>
+            </a:xfrm>
+            <a:prstGeom prst="rect">
+              <a:avLst/>
+            </a:prstGeom>
+            <a:noFill/>
+          </p:spPr>
+          <p:txBody>
+            <a:bodyPr wrap="none" rtlCol="0">
+              <a:spAutoFit/>
+            </a:bodyPr>
+            <a:lstStyle/>
+            <a:p>
+              <a:r>
+                <a:rPr lang="en-US" sz="2400" dirty="0" smtClean="0">
+                  <a:solidFill>
+                    <a:schemeClr val="bg1"/>
+                  </a:solidFill>
+                  <a:latin typeface="Times New Roman" panose="02020603050405020304" pitchFamily="18" charset="0"/>
+                  <a:cs typeface="Times New Roman" panose="02020603050405020304" pitchFamily="18" charset="0"/>
+                </a:rPr>
+                <a:t>North Reef</a:t>
+              </a:r>
+              <a:endParaRPr lang="en-US" sz="2400" dirty="0">
+                <a:solidFill>
+                  <a:schemeClr val="bg1"/>
+                </a:solidFill>
+                <a:latin typeface="Times New Roman" panose="02020603050405020304" pitchFamily="18" charset="0"/>
+                <a:cs typeface="Times New Roman" panose="02020603050405020304" pitchFamily="18" charset="0"/>
+              </a:endParaRPr>
+            </a:p>
+          </p:txBody>
+        </p:sp>
+        <p:cxnSp>
+          <p:nvCxnSpPr>
+            <p:cNvPr id="10" name="Straight Connector 9"/>
+            <p:cNvCxnSpPr/>
+            <p:nvPr/>
+          </p:nvCxnSpPr>
+          <p:spPr>
+            <a:xfrm flipH="1">
+              <a:off x="633067" y="2329962"/>
+              <a:ext cx="215695" cy="652981"/>
+            </a:xfrm>
+            <a:prstGeom prst="line">
+              <a:avLst/>
+            </a:prstGeom>
+            <a:ln w="38100">
+              <a:solidFill>
+                <a:schemeClr val="bg1"/>
+              </a:solidFill>
+              <a:headEnd type="none" w="med" len="med"/>
+              <a:tailEnd type="arrow" w="med" len="med"/>
+            </a:ln>
+          </p:spPr>
+          <p:style>
+            <a:lnRef idx="1">
+              <a:schemeClr val="accent1"/>
+            </a:lnRef>
+            <a:fillRef idx="0">
+              <a:schemeClr val="accent1"/>
+            </a:fillRef>
+            <a:effectRef idx="0">
+              <a:schemeClr val="accent1"/>
+            </a:effectRef>
+            <a:fontRef idx="minor">
+              <a:schemeClr val="tx1"/>
+            </a:fontRef>
+          </p:style>
+        </p:cxnSp>
+      </p:grpSp>
+      <p:grpSp>
+        <p:nvGrpSpPr>
+          <p:cNvPr id="26" name="Group 25"/>
+          <p:cNvGrpSpPr/>
+          <p:nvPr/>
+        </p:nvGrpSpPr>
+        <p:grpSpPr>
+          <a:xfrm>
+            <a:off x="2325516" y="2181898"/>
+            <a:ext cx="1560042" cy="844888"/>
+            <a:chOff x="147918" y="1951066"/>
+            <a:chExt cx="1560042" cy="844888"/>
+          </a:xfrm>
+        </p:grpSpPr>
+        <p:sp>
+          <p:nvSpPr>
+            <p:cNvPr id="27" name="TextBox 26"/>
+            <p:cNvSpPr txBox="1"/>
+            <p:nvPr/>
+          </p:nvSpPr>
+          <p:spPr>
+            <a:xfrm>
+              <a:off x="147918" y="1951066"/>
+              <a:ext cx="1560042" cy="461665"/>
+            </a:xfrm>
+            <a:prstGeom prst="rect">
+              <a:avLst/>
+            </a:prstGeom>
+            <a:noFill/>
+          </p:spPr>
+          <p:txBody>
+            <a:bodyPr wrap="none" rtlCol="0">
+              <a:spAutoFit/>
+            </a:bodyPr>
+            <a:lstStyle/>
+            <a:p>
+              <a:r>
+                <a:rPr lang="en-US" sz="2400" dirty="0" smtClean="0">
+                  <a:solidFill>
+                    <a:schemeClr val="bg1"/>
+                  </a:solidFill>
+                  <a:latin typeface="Times New Roman" panose="02020603050405020304" pitchFamily="18" charset="0"/>
+                  <a:cs typeface="Times New Roman" panose="02020603050405020304" pitchFamily="18" charset="0"/>
+                </a:rPr>
+                <a:t>South Reef</a:t>
+              </a:r>
+              <a:endParaRPr lang="en-US" sz="2400" dirty="0">
+                <a:solidFill>
+                  <a:schemeClr val="bg1"/>
+                </a:solidFill>
+                <a:latin typeface="Times New Roman" panose="02020603050405020304" pitchFamily="18" charset="0"/>
+                <a:cs typeface="Times New Roman" panose="02020603050405020304" pitchFamily="18" charset="0"/>
+              </a:endParaRPr>
+            </a:p>
+          </p:txBody>
+        </p:sp>
+        <p:cxnSp>
+          <p:nvCxnSpPr>
+            <p:cNvPr id="28" name="Straight Connector 27"/>
+            <p:cNvCxnSpPr/>
+            <p:nvPr/>
+          </p:nvCxnSpPr>
+          <p:spPr>
+            <a:xfrm flipH="1">
+              <a:off x="677008" y="2329962"/>
+              <a:ext cx="171754" cy="465992"/>
+            </a:xfrm>
+            <a:prstGeom prst="line">
+              <a:avLst/>
+            </a:prstGeom>
+            <a:ln w="38100">
+              <a:solidFill>
+                <a:schemeClr val="bg1"/>
+              </a:solidFill>
+              <a:headEnd type="none" w="med" len="med"/>
+              <a:tailEnd type="arrow" w="med" len="med"/>
+            </a:ln>
+          </p:spPr>
+          <p:style>
+            <a:lnRef idx="1">
+              <a:schemeClr val="accent1"/>
+            </a:lnRef>
+            <a:fillRef idx="0">
+              <a:schemeClr val="accent1"/>
+            </a:fillRef>
+            <a:effectRef idx="0">
+              <a:schemeClr val="accent1"/>
+            </a:effectRef>
+            <a:fontRef idx="minor">
+              <a:schemeClr val="tx1"/>
+            </a:fontRef>
+          </p:style>
+        </p:cxnSp>
+      </p:grpSp>
+      <p:sp>
+        <p:nvSpPr>
+          <p:cNvPr id="29" name="TextBox 28"/>
+          <p:cNvSpPr txBox="1"/>
+          <p:nvPr/>
+        </p:nvSpPr>
+        <p:spPr>
+          <a:xfrm rot="1105394">
+            <a:off x="1308015" y="2698820"/>
+            <a:ext cx="1205779" cy="461665"/>
+          </a:xfrm>
+          <a:prstGeom prst="rect">
+            <a:avLst/>
+          </a:prstGeom>
+          <a:noFill/>
+          <a:scene3d>
+            <a:camera prst="isometricTopUp"/>
+            <a:lightRig rig="threePt" dir="t"/>
+          </a:scene3d>
+        </p:spPr>
+        <p:txBody>
+          <a:bodyPr wrap="none" rtlCol="0">
+            <a:spAutoFit/>
+          </a:bodyPr>
+          <a:lstStyle/>
+          <a:p>
+            <a:r>
+              <a:rPr lang="en-US" sz="2400" dirty="0" smtClean="0">
+                <a:solidFill>
+                  <a:schemeClr val="bg1"/>
+                </a:solidFill>
+                <a:latin typeface="Times New Roman" panose="02020603050405020304" pitchFamily="18" charset="0"/>
+                <a:cs typeface="Times New Roman" panose="02020603050405020304" pitchFamily="18" charset="0"/>
+              </a:rPr>
+              <a:t>Channel</a:t>
+            </a:r>
+            <a:endParaRPr lang="en-US" sz="2400" dirty="0">
+              <a:solidFill>
+                <a:schemeClr val="bg1"/>
+              </a:solidFill>
+              <a:latin typeface="Times New Roman" panose="02020603050405020304" pitchFamily="18" charset="0"/>
+              <a:cs typeface="Times New Roman" panose="02020603050405020304" pitchFamily="18" charset="0"/>
+            </a:endParaRPr>
+          </a:p>
+        </p:txBody>
+      </p:sp>
+      <p:grpSp>
+        <p:nvGrpSpPr>
+          <p:cNvPr id="30" name="Group 29"/>
+          <p:cNvGrpSpPr/>
+          <p:nvPr/>
+        </p:nvGrpSpPr>
+        <p:grpSpPr>
+          <a:xfrm>
+            <a:off x="39422" y="2138350"/>
+            <a:ext cx="1078309" cy="786202"/>
+            <a:chOff x="147918" y="1951066"/>
+            <a:chExt cx="1078309" cy="786202"/>
+          </a:xfrm>
+        </p:grpSpPr>
+        <p:sp>
+          <p:nvSpPr>
+            <p:cNvPr id="31" name="TextBox 30"/>
+            <p:cNvSpPr txBox="1"/>
+            <p:nvPr/>
+          </p:nvSpPr>
+          <p:spPr>
+            <a:xfrm>
+              <a:off x="147918" y="1951066"/>
+              <a:ext cx="1078309" cy="461665"/>
+            </a:xfrm>
+            <a:prstGeom prst="rect">
+              <a:avLst/>
+            </a:prstGeom>
+            <a:noFill/>
+          </p:spPr>
+          <p:txBody>
+            <a:bodyPr wrap="none" rtlCol="0">
+              <a:spAutoFit/>
+            </a:bodyPr>
+            <a:lstStyle/>
+            <a:p>
+              <a:r>
+                <a:rPr lang="en-US" sz="2400" dirty="0" smtClean="0">
+                  <a:solidFill>
+                    <a:schemeClr val="bg1"/>
+                  </a:solidFill>
+                  <a:latin typeface="Times New Roman" panose="02020603050405020304" pitchFamily="18" charset="0"/>
+                  <a:cs typeface="Times New Roman" panose="02020603050405020304" pitchFamily="18" charset="0"/>
+                </a:rPr>
+                <a:t>Stream</a:t>
+              </a:r>
+            </a:p>
+          </p:txBody>
+        </p:sp>
+        <p:cxnSp>
+          <p:nvCxnSpPr>
+            <p:cNvPr id="32" name="Straight Connector 31"/>
+            <p:cNvCxnSpPr/>
+            <p:nvPr/>
+          </p:nvCxnSpPr>
+          <p:spPr>
+            <a:xfrm flipH="1">
+              <a:off x="216991" y="2332833"/>
+              <a:ext cx="354464" cy="404435"/>
+            </a:xfrm>
+            <a:prstGeom prst="line">
+              <a:avLst/>
+            </a:prstGeom>
+            <a:ln w="38100">
+              <a:solidFill>
+                <a:schemeClr val="bg1"/>
+              </a:solidFill>
+              <a:headEnd type="none" w="med" len="med"/>
+              <a:tailEnd type="arrow" w="med" len="med"/>
+            </a:ln>
+          </p:spPr>
+          <p:style>
+            <a:lnRef idx="1">
+              <a:schemeClr val="accent1"/>
+            </a:lnRef>
+            <a:fillRef idx="0">
+              <a:schemeClr val="accent1"/>
+            </a:fillRef>
+            <a:effectRef idx="0">
+              <a:schemeClr val="accent1"/>
+            </a:effectRef>
+            <a:fontRef idx="minor">
+              <a:schemeClr val="tx1"/>
+            </a:fontRef>
+          </p:style>
+        </p:cxnSp>
+      </p:grpSp>
+      <p:grpSp>
+        <p:nvGrpSpPr>
+          <p:cNvPr id="36" name="Group 35"/>
+          <p:cNvGrpSpPr/>
+          <p:nvPr/>
+        </p:nvGrpSpPr>
+        <p:grpSpPr>
+          <a:xfrm>
+            <a:off x="8929099" y="3903215"/>
+            <a:ext cx="2825267" cy="2035858"/>
+            <a:chOff x="147918" y="1951066"/>
+            <a:chExt cx="2825267" cy="2035858"/>
+          </a:xfrm>
+        </p:grpSpPr>
+        <p:sp>
+          <p:nvSpPr>
+            <p:cNvPr id="37" name="TextBox 36"/>
+            <p:cNvSpPr txBox="1"/>
+            <p:nvPr/>
+          </p:nvSpPr>
+          <p:spPr>
+            <a:xfrm>
+              <a:off x="147918" y="1951066"/>
+              <a:ext cx="2825267" cy="1200329"/>
+            </a:xfrm>
+            <a:prstGeom prst="rect">
+              <a:avLst/>
+            </a:prstGeom>
+            <a:noFill/>
+          </p:spPr>
+          <p:txBody>
+            <a:bodyPr wrap="square" rtlCol="0">
+              <a:spAutoFit/>
+            </a:bodyPr>
+            <a:lstStyle/>
+            <a:p>
+              <a:r>
+                <a:rPr lang="en-US" sz="2400" dirty="0" smtClean="0">
+                  <a:solidFill>
+                    <a:schemeClr val="bg1"/>
+                  </a:solidFill>
+                  <a:latin typeface="Times New Roman" panose="02020603050405020304" pitchFamily="18" charset="0"/>
+                  <a:cs typeface="Times New Roman" panose="02020603050405020304" pitchFamily="18" charset="0"/>
+                </a:rPr>
+                <a:t>Sediment plume deflected over North reef and Channel</a:t>
+              </a:r>
+              <a:endParaRPr lang="en-US" sz="2400" dirty="0">
+                <a:solidFill>
+                  <a:schemeClr val="bg1"/>
+                </a:solidFill>
+                <a:latin typeface="Times New Roman" panose="02020603050405020304" pitchFamily="18" charset="0"/>
+                <a:cs typeface="Times New Roman" panose="02020603050405020304" pitchFamily="18" charset="0"/>
+              </a:endParaRPr>
+            </a:p>
+          </p:txBody>
+        </p:sp>
+        <p:cxnSp>
+          <p:nvCxnSpPr>
+            <p:cNvPr id="38" name="Straight Connector 37"/>
+            <p:cNvCxnSpPr/>
+            <p:nvPr/>
+          </p:nvCxnSpPr>
+          <p:spPr>
+            <a:xfrm flipH="1">
+              <a:off x="1320160" y="3098771"/>
+              <a:ext cx="143696" cy="888153"/>
+            </a:xfrm>
+            <a:prstGeom prst="line">
+              <a:avLst/>
+            </a:prstGeom>
+            <a:ln w="38100">
+              <a:solidFill>
+                <a:schemeClr val="bg1"/>
+              </a:solidFill>
+              <a:headEnd type="none" w="med" len="med"/>
+              <a:tailEnd type="arrow" w="med" len="med"/>
+            </a:ln>
+          </p:spPr>
+          <p:style>
+            <a:lnRef idx="1">
+              <a:schemeClr val="accent1"/>
+            </a:lnRef>
+            <a:fillRef idx="0">
+              <a:schemeClr val="accent1"/>
+            </a:fillRef>
+            <a:effectRef idx="0">
+              <a:schemeClr val="accent1"/>
+            </a:effectRef>
+            <a:fontRef idx="minor">
+              <a:schemeClr val="tx1"/>
+            </a:fontRef>
+          </p:style>
+        </p:cxnSp>
+      </p:grpSp>
+    </p:spTree>
+    <p:extLst>
+      <p:ext uri="{BB962C8B-B14F-4D97-AF65-F5344CB8AC3E}">
+        <p14:creationId xmlns:p14="http://schemas.microsoft.com/office/powerpoint/2010/main" val="2533630683"/>
       </p:ext>
     </p:extLst>
   </p:cSld>
